--- a/diagrams/designPatterns/command/whatItIs/commandCreator.pptx
+++ b/diagrams/designPatterns/command/whatItIs/commandCreator.pptx
@@ -107,6 +107,22 @@
       </a:defRPr>
     </a:lvl9pPr>
   </p:defaultTextStyle>
+  <p:extLst>
+    <p:ext uri="{EFAFB233-063F-42B5-8137-9DF3F51BA10A}">
+      <p15:sldGuideLst xmlns:p15="http://schemas.microsoft.com/office/powerpoint/2012/main">
+        <p15:guide id="1" orient="horz" pos="2160">
+          <p15:clr>
+            <a:srgbClr val="A4A3A4"/>
+          </p15:clr>
+        </p15:guide>
+        <p15:guide id="2" pos="2880">
+          <p15:clr>
+            <a:srgbClr val="A4A3A4"/>
+          </p15:clr>
+        </p15:guide>
+      </p15:sldGuideLst>
+    </p:ext>
+  </p:extLst>
 </p:presentation>
 </file>
 
@@ -192,7 +208,7 @@
           <a:p>
             <a:fld id="{66906C45-2DB0-4797-8F62-CAF8E935D413}" type="datetimeFigureOut">
               <a:rPr lang="en-SG" smtClean="0"/>
-              <a:t>23/6/2017</a:t>
+              <a:t>1/1/26</a:t>
             </a:fld>
             <a:endParaRPr lang="en-SG"/>
           </a:p>
@@ -256,35 +272,35 @@
           <a:p>
             <a:pPr lvl="0"/>
             <a:r>
-              <a:rPr lang="en-US" smtClean="0"/>
+              <a:rPr lang="en-US"/>
               <a:t>Click to edit Master text styles</a:t>
             </a:r>
           </a:p>
           <a:p>
             <a:pPr lvl="1"/>
             <a:r>
-              <a:rPr lang="en-US" smtClean="0"/>
+              <a:rPr lang="en-US"/>
               <a:t>Second level</a:t>
             </a:r>
           </a:p>
           <a:p>
             <a:pPr lvl="2"/>
             <a:r>
-              <a:rPr lang="en-US" smtClean="0"/>
+              <a:rPr lang="en-US"/>
               <a:t>Third level</a:t>
             </a:r>
           </a:p>
           <a:p>
             <a:pPr lvl="3"/>
             <a:r>
-              <a:rPr lang="en-US" smtClean="0"/>
+              <a:rPr lang="en-US"/>
               <a:t>Fourth level</a:t>
             </a:r>
           </a:p>
           <a:p>
             <a:pPr lvl="4"/>
             <a:r>
-              <a:rPr lang="en-US" smtClean="0"/>
+              <a:rPr lang="en-US"/>
               <a:t>Fifth level</a:t>
             </a:r>
             <a:endParaRPr lang="en-SG"/>
@@ -582,7 +598,7 @@
           <a:lstStyle/>
           <a:p>
             <a:r>
-              <a:rPr lang="en-US" smtClean="0"/>
+              <a:rPr lang="en-US"/>
               <a:t>Click to edit Master title style</a:t>
             </a:r>
             <a:endParaRPr lang="en-SG"/>
@@ -701,7 +717,7 @@
           </a:lstStyle>
           <a:p>
             <a:r>
-              <a:rPr lang="en-US" smtClean="0"/>
+              <a:rPr lang="en-US"/>
               <a:t>Click to edit Master subtitle style</a:t>
             </a:r>
             <a:endParaRPr lang="en-SG"/>
@@ -725,7 +741,7 @@
           <a:p>
             <a:fld id="{8486F480-15A6-4026-BC99-052F8E994139}" type="datetimeFigureOut">
               <a:rPr lang="en-SG" smtClean="0"/>
-              <a:t>23/6/2017</a:t>
+              <a:t>1/1/26</a:t>
             </a:fld>
             <a:endParaRPr lang="en-SG"/>
           </a:p>
@@ -819,7 +835,7 @@
           <a:lstStyle/>
           <a:p>
             <a:r>
-              <a:rPr lang="en-US" smtClean="0"/>
+              <a:rPr lang="en-US"/>
               <a:t>Click to edit Master title style</a:t>
             </a:r>
             <a:endParaRPr lang="en-SG"/>
@@ -843,35 +859,35 @@
           <a:p>
             <a:pPr lvl="0"/>
             <a:r>
-              <a:rPr lang="en-US" smtClean="0"/>
+              <a:rPr lang="en-US"/>
               <a:t>Click to edit Master text styles</a:t>
             </a:r>
           </a:p>
           <a:p>
             <a:pPr lvl="1"/>
             <a:r>
-              <a:rPr lang="en-US" smtClean="0"/>
+              <a:rPr lang="en-US"/>
               <a:t>Second level</a:t>
             </a:r>
           </a:p>
           <a:p>
             <a:pPr lvl="2"/>
             <a:r>
-              <a:rPr lang="en-US" smtClean="0"/>
+              <a:rPr lang="en-US"/>
               <a:t>Third level</a:t>
             </a:r>
           </a:p>
           <a:p>
             <a:pPr lvl="3"/>
             <a:r>
-              <a:rPr lang="en-US" smtClean="0"/>
+              <a:rPr lang="en-US"/>
               <a:t>Fourth level</a:t>
             </a:r>
           </a:p>
           <a:p>
             <a:pPr lvl="4"/>
             <a:r>
-              <a:rPr lang="en-US" smtClean="0"/>
+              <a:rPr lang="en-US"/>
               <a:t>Fifth level</a:t>
             </a:r>
             <a:endParaRPr lang="en-SG"/>
@@ -895,7 +911,7 @@
           <a:p>
             <a:fld id="{8486F480-15A6-4026-BC99-052F8E994139}" type="datetimeFigureOut">
               <a:rPr lang="en-SG" smtClean="0"/>
-              <a:t>23/6/2017</a:t>
+              <a:t>1/1/26</a:t>
             </a:fld>
             <a:endParaRPr lang="en-SG"/>
           </a:p>
@@ -994,7 +1010,7 @@
           <a:lstStyle/>
           <a:p>
             <a:r>
-              <a:rPr lang="en-US" smtClean="0"/>
+              <a:rPr lang="en-US"/>
               <a:t>Click to edit Master title style</a:t>
             </a:r>
             <a:endParaRPr lang="en-SG"/>
@@ -1023,35 +1039,35 @@
           <a:p>
             <a:pPr lvl="0"/>
             <a:r>
-              <a:rPr lang="en-US" smtClean="0"/>
+              <a:rPr lang="en-US"/>
               <a:t>Click to edit Master text styles</a:t>
             </a:r>
           </a:p>
           <a:p>
             <a:pPr lvl="1"/>
             <a:r>
-              <a:rPr lang="en-US" smtClean="0"/>
+              <a:rPr lang="en-US"/>
               <a:t>Second level</a:t>
             </a:r>
           </a:p>
           <a:p>
             <a:pPr lvl="2"/>
             <a:r>
-              <a:rPr lang="en-US" smtClean="0"/>
+              <a:rPr lang="en-US"/>
               <a:t>Third level</a:t>
             </a:r>
           </a:p>
           <a:p>
             <a:pPr lvl="3"/>
             <a:r>
-              <a:rPr lang="en-US" smtClean="0"/>
+              <a:rPr lang="en-US"/>
               <a:t>Fourth level</a:t>
             </a:r>
           </a:p>
           <a:p>
             <a:pPr lvl="4"/>
             <a:r>
-              <a:rPr lang="en-US" smtClean="0"/>
+              <a:rPr lang="en-US"/>
               <a:t>Fifth level</a:t>
             </a:r>
             <a:endParaRPr lang="en-SG"/>
@@ -1075,7 +1091,7 @@
           <a:p>
             <a:fld id="{8486F480-15A6-4026-BC99-052F8E994139}" type="datetimeFigureOut">
               <a:rPr lang="en-SG" smtClean="0"/>
-              <a:t>23/6/2017</a:t>
+              <a:t>1/1/26</a:t>
             </a:fld>
             <a:endParaRPr lang="en-SG"/>
           </a:p>
@@ -1169,7 +1185,7 @@
           <a:lstStyle/>
           <a:p>
             <a:r>
-              <a:rPr lang="en-US" smtClean="0"/>
+              <a:rPr lang="en-US"/>
               <a:t>Click to edit Master title style</a:t>
             </a:r>
             <a:endParaRPr lang="en-SG"/>
@@ -1193,35 +1209,35 @@
           <a:p>
             <a:pPr lvl="0"/>
             <a:r>
-              <a:rPr lang="en-US" smtClean="0"/>
+              <a:rPr lang="en-US"/>
               <a:t>Click to edit Master text styles</a:t>
             </a:r>
           </a:p>
           <a:p>
             <a:pPr lvl="1"/>
             <a:r>
-              <a:rPr lang="en-US" smtClean="0"/>
+              <a:rPr lang="en-US"/>
               <a:t>Second level</a:t>
             </a:r>
           </a:p>
           <a:p>
             <a:pPr lvl="2"/>
             <a:r>
-              <a:rPr lang="en-US" smtClean="0"/>
+              <a:rPr lang="en-US"/>
               <a:t>Third level</a:t>
             </a:r>
           </a:p>
           <a:p>
             <a:pPr lvl="3"/>
             <a:r>
-              <a:rPr lang="en-US" smtClean="0"/>
+              <a:rPr lang="en-US"/>
               <a:t>Fourth level</a:t>
             </a:r>
           </a:p>
           <a:p>
             <a:pPr lvl="4"/>
             <a:r>
-              <a:rPr lang="en-US" smtClean="0"/>
+              <a:rPr lang="en-US"/>
               <a:t>Fifth level</a:t>
             </a:r>
             <a:endParaRPr lang="en-SG"/>
@@ -1245,7 +1261,7 @@
           <a:p>
             <a:fld id="{8486F480-15A6-4026-BC99-052F8E994139}" type="datetimeFigureOut">
               <a:rPr lang="en-SG" smtClean="0"/>
-              <a:t>23/6/2017</a:t>
+              <a:t>1/1/26</a:t>
             </a:fld>
             <a:endParaRPr lang="en-SG"/>
           </a:p>
@@ -1348,7 +1364,7 @@
           </a:lstStyle>
           <a:p>
             <a:r>
-              <a:rPr lang="en-US" smtClean="0"/>
+              <a:rPr lang="en-US"/>
               <a:t>Click to edit Master title style</a:t>
             </a:r>
             <a:endParaRPr lang="en-SG"/>
@@ -1468,7 +1484,7 @@
           <a:p>
             <a:pPr lvl="0"/>
             <a:r>
-              <a:rPr lang="en-US" smtClean="0"/>
+              <a:rPr lang="en-US"/>
               <a:t>Click to edit Master text styles</a:t>
             </a:r>
           </a:p>
@@ -1491,7 +1507,7 @@
           <a:p>
             <a:fld id="{8486F480-15A6-4026-BC99-052F8E994139}" type="datetimeFigureOut">
               <a:rPr lang="en-SG" smtClean="0"/>
-              <a:t>23/6/2017</a:t>
+              <a:t>1/1/26</a:t>
             </a:fld>
             <a:endParaRPr lang="en-SG"/>
           </a:p>
@@ -1585,7 +1601,7 @@
           <a:lstStyle/>
           <a:p>
             <a:r>
-              <a:rPr lang="en-US" smtClean="0"/>
+              <a:rPr lang="en-US"/>
               <a:t>Click to edit Master title style</a:t>
             </a:r>
             <a:endParaRPr lang="en-SG"/>
@@ -1642,35 +1658,35 @@
           <a:p>
             <a:pPr lvl="0"/>
             <a:r>
-              <a:rPr lang="en-US" smtClean="0"/>
+              <a:rPr lang="en-US"/>
               <a:t>Click to edit Master text styles</a:t>
             </a:r>
           </a:p>
           <a:p>
             <a:pPr lvl="1"/>
             <a:r>
-              <a:rPr lang="en-US" smtClean="0"/>
+              <a:rPr lang="en-US"/>
               <a:t>Second level</a:t>
             </a:r>
           </a:p>
           <a:p>
             <a:pPr lvl="2"/>
             <a:r>
-              <a:rPr lang="en-US" smtClean="0"/>
+              <a:rPr lang="en-US"/>
               <a:t>Third level</a:t>
             </a:r>
           </a:p>
           <a:p>
             <a:pPr lvl="3"/>
             <a:r>
-              <a:rPr lang="en-US" smtClean="0"/>
+              <a:rPr lang="en-US"/>
               <a:t>Fourth level</a:t>
             </a:r>
           </a:p>
           <a:p>
             <a:pPr lvl="4"/>
             <a:r>
-              <a:rPr lang="en-US" smtClean="0"/>
+              <a:rPr lang="en-US"/>
               <a:t>Fifth level</a:t>
             </a:r>
             <a:endParaRPr lang="en-SG"/>
@@ -1727,35 +1743,35 @@
           <a:p>
             <a:pPr lvl="0"/>
             <a:r>
-              <a:rPr lang="en-US" smtClean="0"/>
+              <a:rPr lang="en-US"/>
               <a:t>Click to edit Master text styles</a:t>
             </a:r>
           </a:p>
           <a:p>
             <a:pPr lvl="1"/>
             <a:r>
-              <a:rPr lang="en-US" smtClean="0"/>
+              <a:rPr lang="en-US"/>
               <a:t>Second level</a:t>
             </a:r>
           </a:p>
           <a:p>
             <a:pPr lvl="2"/>
             <a:r>
-              <a:rPr lang="en-US" smtClean="0"/>
+              <a:rPr lang="en-US"/>
               <a:t>Third level</a:t>
             </a:r>
           </a:p>
           <a:p>
             <a:pPr lvl="3"/>
             <a:r>
-              <a:rPr lang="en-US" smtClean="0"/>
+              <a:rPr lang="en-US"/>
               <a:t>Fourth level</a:t>
             </a:r>
           </a:p>
           <a:p>
             <a:pPr lvl="4"/>
             <a:r>
-              <a:rPr lang="en-US" smtClean="0"/>
+              <a:rPr lang="en-US"/>
               <a:t>Fifth level</a:t>
             </a:r>
             <a:endParaRPr lang="en-SG"/>
@@ -1779,7 +1795,7 @@
           <a:p>
             <a:fld id="{8486F480-15A6-4026-BC99-052F8E994139}" type="datetimeFigureOut">
               <a:rPr lang="en-SG" smtClean="0"/>
-              <a:t>23/6/2017</a:t>
+              <a:t>1/1/26</a:t>
             </a:fld>
             <a:endParaRPr lang="en-SG"/>
           </a:p>
@@ -1877,7 +1893,7 @@
           </a:lstStyle>
           <a:p>
             <a:r>
-              <a:rPr lang="en-US" smtClean="0"/>
+              <a:rPr lang="en-US"/>
               <a:t>Click to edit Master title style</a:t>
             </a:r>
             <a:endParaRPr lang="en-SG"/>
@@ -1943,7 +1959,7 @@
           <a:p>
             <a:pPr lvl="0"/>
             <a:r>
-              <a:rPr lang="en-US" smtClean="0"/>
+              <a:rPr lang="en-US"/>
               <a:t>Click to edit Master text styles</a:t>
             </a:r>
           </a:p>
@@ -1999,35 +2015,35 @@
           <a:p>
             <a:pPr lvl="0"/>
             <a:r>
-              <a:rPr lang="en-US" smtClean="0"/>
+              <a:rPr lang="en-US"/>
               <a:t>Click to edit Master text styles</a:t>
             </a:r>
           </a:p>
           <a:p>
             <a:pPr lvl="1"/>
             <a:r>
-              <a:rPr lang="en-US" smtClean="0"/>
+              <a:rPr lang="en-US"/>
               <a:t>Second level</a:t>
             </a:r>
           </a:p>
           <a:p>
             <a:pPr lvl="2"/>
             <a:r>
-              <a:rPr lang="en-US" smtClean="0"/>
+              <a:rPr lang="en-US"/>
               <a:t>Third level</a:t>
             </a:r>
           </a:p>
           <a:p>
             <a:pPr lvl="3"/>
             <a:r>
-              <a:rPr lang="en-US" smtClean="0"/>
+              <a:rPr lang="en-US"/>
               <a:t>Fourth level</a:t>
             </a:r>
           </a:p>
           <a:p>
             <a:pPr lvl="4"/>
             <a:r>
-              <a:rPr lang="en-US" smtClean="0"/>
+              <a:rPr lang="en-US"/>
               <a:t>Fifth level</a:t>
             </a:r>
             <a:endParaRPr lang="en-SG"/>
@@ -2093,7 +2109,7 @@
           <a:p>
             <a:pPr lvl="0"/>
             <a:r>
-              <a:rPr lang="en-US" smtClean="0"/>
+              <a:rPr lang="en-US"/>
               <a:t>Click to edit Master text styles</a:t>
             </a:r>
           </a:p>
@@ -2149,35 +2165,35 @@
           <a:p>
             <a:pPr lvl="0"/>
             <a:r>
-              <a:rPr lang="en-US" smtClean="0"/>
+              <a:rPr lang="en-US"/>
               <a:t>Click to edit Master text styles</a:t>
             </a:r>
           </a:p>
           <a:p>
             <a:pPr lvl="1"/>
             <a:r>
-              <a:rPr lang="en-US" smtClean="0"/>
+              <a:rPr lang="en-US"/>
               <a:t>Second level</a:t>
             </a:r>
           </a:p>
           <a:p>
             <a:pPr lvl="2"/>
             <a:r>
-              <a:rPr lang="en-US" smtClean="0"/>
+              <a:rPr lang="en-US"/>
               <a:t>Third level</a:t>
             </a:r>
           </a:p>
           <a:p>
             <a:pPr lvl="3"/>
             <a:r>
-              <a:rPr lang="en-US" smtClean="0"/>
+              <a:rPr lang="en-US"/>
               <a:t>Fourth level</a:t>
             </a:r>
           </a:p>
           <a:p>
             <a:pPr lvl="4"/>
             <a:r>
-              <a:rPr lang="en-US" smtClean="0"/>
+              <a:rPr lang="en-US"/>
               <a:t>Fifth level</a:t>
             </a:r>
             <a:endParaRPr lang="en-SG"/>
@@ -2201,7 +2217,7 @@
           <a:p>
             <a:fld id="{8486F480-15A6-4026-BC99-052F8E994139}" type="datetimeFigureOut">
               <a:rPr lang="en-SG" smtClean="0"/>
-              <a:t>23/6/2017</a:t>
+              <a:t>1/1/26</a:t>
             </a:fld>
             <a:endParaRPr lang="en-SG"/>
           </a:p>
@@ -2295,7 +2311,7 @@
           <a:lstStyle/>
           <a:p>
             <a:r>
-              <a:rPr lang="en-US" smtClean="0"/>
+              <a:rPr lang="en-US"/>
               <a:t>Click to edit Master title style</a:t>
             </a:r>
             <a:endParaRPr lang="en-SG"/>
@@ -2319,7 +2335,7 @@
           <a:p>
             <a:fld id="{8486F480-15A6-4026-BC99-052F8E994139}" type="datetimeFigureOut">
               <a:rPr lang="en-SG" smtClean="0"/>
-              <a:t>23/6/2017</a:t>
+              <a:t>1/1/26</a:t>
             </a:fld>
             <a:endParaRPr lang="en-SG"/>
           </a:p>
@@ -2414,7 +2430,7 @@
           <a:p>
             <a:fld id="{8486F480-15A6-4026-BC99-052F8E994139}" type="datetimeFigureOut">
               <a:rPr lang="en-SG" smtClean="0"/>
-              <a:t>23/6/2017</a:t>
+              <a:t>1/1/26</a:t>
             </a:fld>
             <a:endParaRPr lang="en-SG"/>
           </a:p>
@@ -2517,7 +2533,7 @@
           </a:lstStyle>
           <a:p>
             <a:r>
-              <a:rPr lang="en-US" smtClean="0"/>
+              <a:rPr lang="en-US"/>
               <a:t>Click to edit Master title style</a:t>
             </a:r>
             <a:endParaRPr lang="en-SG"/>
@@ -2574,35 +2590,35 @@
           <a:p>
             <a:pPr lvl="0"/>
             <a:r>
-              <a:rPr lang="en-US" smtClean="0"/>
+              <a:rPr lang="en-US"/>
               <a:t>Click to edit Master text styles</a:t>
             </a:r>
           </a:p>
           <a:p>
             <a:pPr lvl="1"/>
             <a:r>
-              <a:rPr lang="en-US" smtClean="0"/>
+              <a:rPr lang="en-US"/>
               <a:t>Second level</a:t>
             </a:r>
           </a:p>
           <a:p>
             <a:pPr lvl="2"/>
             <a:r>
-              <a:rPr lang="en-US" smtClean="0"/>
+              <a:rPr lang="en-US"/>
               <a:t>Third level</a:t>
             </a:r>
           </a:p>
           <a:p>
             <a:pPr lvl="3"/>
             <a:r>
-              <a:rPr lang="en-US" smtClean="0"/>
+              <a:rPr lang="en-US"/>
               <a:t>Fourth level</a:t>
             </a:r>
           </a:p>
           <a:p>
             <a:pPr lvl="4"/>
             <a:r>
-              <a:rPr lang="en-US" smtClean="0"/>
+              <a:rPr lang="en-US"/>
               <a:t>Fifth level</a:t>
             </a:r>
             <a:endParaRPr lang="en-SG"/>
@@ -2668,7 +2684,7 @@
           <a:p>
             <a:pPr lvl="0"/>
             <a:r>
-              <a:rPr lang="en-US" smtClean="0"/>
+              <a:rPr lang="en-US"/>
               <a:t>Click to edit Master text styles</a:t>
             </a:r>
           </a:p>
@@ -2691,7 +2707,7 @@
           <a:p>
             <a:fld id="{8486F480-15A6-4026-BC99-052F8E994139}" type="datetimeFigureOut">
               <a:rPr lang="en-SG" smtClean="0"/>
-              <a:t>23/6/2017</a:t>
+              <a:t>1/1/26</a:t>
             </a:fld>
             <a:endParaRPr lang="en-SG"/>
           </a:p>
@@ -2794,7 +2810,7 @@
           </a:lstStyle>
           <a:p>
             <a:r>
-              <a:rPr lang="en-US" smtClean="0"/>
+              <a:rPr lang="en-US"/>
               <a:t>Click to edit Master title style</a:t>
             </a:r>
             <a:endParaRPr lang="en-SG"/>
@@ -2921,7 +2937,7 @@
           <a:p>
             <a:pPr lvl="0"/>
             <a:r>
-              <a:rPr lang="en-US" smtClean="0"/>
+              <a:rPr lang="en-US"/>
               <a:t>Click to edit Master text styles</a:t>
             </a:r>
           </a:p>
@@ -2944,7 +2960,7 @@
           <a:p>
             <a:fld id="{8486F480-15A6-4026-BC99-052F8E994139}" type="datetimeFigureOut">
               <a:rPr lang="en-SG" smtClean="0"/>
-              <a:t>23/6/2017</a:t>
+              <a:t>1/1/26</a:t>
             </a:fld>
             <a:endParaRPr lang="en-SG"/>
           </a:p>
@@ -3053,7 +3069,7 @@
           <a:lstStyle/>
           <a:p>
             <a:r>
-              <a:rPr lang="en-US" smtClean="0"/>
+              <a:rPr lang="en-US"/>
               <a:t>Click to edit Master title style</a:t>
             </a:r>
             <a:endParaRPr lang="en-SG"/>
@@ -3087,35 +3103,35 @@
           <a:p>
             <a:pPr lvl="0"/>
             <a:r>
-              <a:rPr lang="en-US" smtClean="0"/>
+              <a:rPr lang="en-US"/>
               <a:t>Click to edit Master text styles</a:t>
             </a:r>
           </a:p>
           <a:p>
             <a:pPr lvl="1"/>
             <a:r>
-              <a:rPr lang="en-US" smtClean="0"/>
+              <a:rPr lang="en-US"/>
               <a:t>Second level</a:t>
             </a:r>
           </a:p>
           <a:p>
             <a:pPr lvl="2"/>
             <a:r>
-              <a:rPr lang="en-US" smtClean="0"/>
+              <a:rPr lang="en-US"/>
               <a:t>Third level</a:t>
             </a:r>
           </a:p>
           <a:p>
             <a:pPr lvl="3"/>
             <a:r>
-              <a:rPr lang="en-US" smtClean="0"/>
+              <a:rPr lang="en-US"/>
               <a:t>Fourth level</a:t>
             </a:r>
           </a:p>
           <a:p>
             <a:pPr lvl="4"/>
             <a:r>
-              <a:rPr lang="en-US" smtClean="0"/>
+              <a:rPr lang="en-US"/>
               <a:t>Fifth level</a:t>
             </a:r>
             <a:endParaRPr lang="en-SG"/>
@@ -3157,7 +3173,7 @@
           <a:p>
             <a:fld id="{8486F480-15A6-4026-BC99-052F8E994139}" type="datetimeFigureOut">
               <a:rPr lang="en-SG" smtClean="0"/>
-              <a:t>23/6/2017</a:t>
+              <a:t>1/1/26</a:t>
             </a:fld>
             <a:endParaRPr lang="en-SG"/>
           </a:p>
@@ -3548,13 +3564,14 @@
           <a:prstGeom prst="line">
             <a:avLst/>
           </a:prstGeom>
-          <a:ln>
+          <a:ln w="12700">
             <a:solidFill>
               <a:schemeClr val="tx1"/>
             </a:solidFill>
             <a:headEnd type="arrow" w="med" len="med"/>
             <a:tailEnd/>
           </a:ln>
+          <a:effectLst/>
         </p:spPr>
         <p:style>
           <a:lnRef idx="1">
@@ -3622,7 +3639,7 @@
           <a:lstStyle/>
           <a:p>
             <a:r>
-              <a:rPr lang="en-US" sz="2000" b="0" dirty="0" smtClean="0">
+              <a:rPr lang="en-US" sz="2000" b="0" dirty="0">
                 <a:solidFill>
                   <a:schemeClr val="tx1"/>
                 </a:solidFill>
@@ -3633,7 +3650,7 @@
           </a:p>
           <a:p>
             <a:r>
-              <a:rPr lang="en-US" sz="2000" dirty="0" smtClean="0">
+              <a:rPr lang="en-US" sz="2000" dirty="0">
                 <a:solidFill>
                   <a:schemeClr val="tx1"/>
                 </a:solidFill>
@@ -3693,7 +3710,7 @@
           <a:p>
             <a:pPr algn="ctr"/>
             <a:r>
-              <a:rPr lang="en-US" sz="2000" b="0" dirty="0" smtClean="0">
+              <a:rPr lang="en-US" sz="2000" b="0" dirty="0">
                 <a:solidFill>
                   <a:schemeClr val="tx1"/>
                 </a:solidFill>
@@ -3701,12 +3718,6 @@
               </a:rPr>
               <a:t>List</a:t>
             </a:r>
-            <a:endParaRPr lang="en-US" sz="2000" b="0" dirty="0">
-              <a:solidFill>
-                <a:schemeClr val="tx1"/>
-              </a:solidFill>
-              <a:latin typeface="Calibri" pitchFamily="34" charset="0"/>
-            </a:endParaRPr>
           </a:p>
         </p:txBody>
       </p:sp>
@@ -3753,7 +3764,7 @@
           <a:p>
             <a:pPr algn="ctr"/>
             <a:r>
-              <a:rPr lang="en-US" sz="2000" b="0" dirty="0" smtClean="0">
+              <a:rPr lang="en-US" sz="2000" b="0" dirty="0">
                 <a:solidFill>
                   <a:schemeClr val="tx1"/>
                 </a:solidFill>
@@ -3761,12 +3772,6 @@
               </a:rPr>
               <a:t>Sort</a:t>
             </a:r>
-            <a:endParaRPr lang="en-US" sz="2000" b="0" dirty="0">
-              <a:solidFill>
-                <a:schemeClr val="tx1"/>
-              </a:solidFill>
-              <a:latin typeface="Calibri" pitchFamily="34" charset="0"/>
-            </a:endParaRPr>
           </a:p>
         </p:txBody>
       </p:sp>
@@ -3880,8 +3885,8 @@
         </p:nvSpPr>
         <p:spPr bwMode="auto">
           <a:xfrm>
-            <a:off x="2317054" y="5027890"/>
-            <a:ext cx="1057084" cy="369332"/>
+            <a:off x="2228086" y="5027890"/>
+            <a:ext cx="1235018" cy="369332"/>
           </a:xfrm>
           <a:prstGeom prst="rect">
             <a:avLst/>
@@ -3902,20 +3907,14 @@
           <a:p>
             <a:pPr algn="ctr"/>
             <a:r>
-              <a:rPr lang="en-US" sz="1800" b="0" dirty="0" smtClean="0">
+              <a:rPr lang="en-US" sz="1800" b="0" dirty="0">
                 <a:solidFill>
                   <a:schemeClr val="tx1"/>
                 </a:solidFill>
                 <a:latin typeface="Calibri" pitchFamily="34" charset="0"/>
               </a:rPr>
-              <a:t>creates &gt;</a:t>
-            </a:r>
-            <a:endParaRPr lang="en-US" sz="1800" b="0" dirty="0">
-              <a:solidFill>
-                <a:schemeClr val="tx1"/>
-              </a:solidFill>
-              <a:latin typeface="Calibri" pitchFamily="34" charset="0"/>
-            </a:endParaRPr>
+              <a:t>&lt;&lt;create&gt;&gt;</a:t>
+            </a:r>
           </a:p>
         </p:txBody>
       </p:sp>
@@ -3962,7 +3961,7 @@
           <a:p>
             <a:pPr algn="ctr"/>
             <a:r>
-              <a:rPr lang="en-US" sz="2000" b="0" dirty="0" err="1" smtClean="0">
+              <a:rPr lang="en-US" sz="2000" b="0" dirty="0" err="1">
                 <a:solidFill>
                   <a:schemeClr val="tx1"/>
                 </a:solidFill>
@@ -4053,7 +4052,7 @@
           <a:p>
             <a:pPr algn="ctr"/>
             <a:r>
-              <a:rPr lang="en-US" sz="2000" b="0" dirty="0" err="1" smtClean="0">
+              <a:rPr lang="en-US" sz="2000" b="0" dirty="0" err="1">
                 <a:solidFill>
                   <a:schemeClr val="tx1"/>
                 </a:solidFill>
@@ -4185,7 +4184,7 @@
           <a:p>
             <a:pPr algn="ctr"/>
             <a:r>
-              <a:rPr lang="en-US" sz="2000" b="0" dirty="0" smtClean="0">
+              <a:rPr lang="en-US" sz="2000" b="0" dirty="0">
                 <a:solidFill>
                   <a:schemeClr val="tx1"/>
                 </a:solidFill>
@@ -4193,12 +4192,6 @@
               </a:rPr>
               <a:t>Reset</a:t>
             </a:r>
-            <a:endParaRPr lang="en-US" sz="2000" b="0" dirty="0">
-              <a:solidFill>
-                <a:schemeClr val="tx1"/>
-              </a:solidFill>
-              <a:latin typeface="Calibri" pitchFamily="34" charset="0"/>
-            </a:endParaRPr>
           </a:p>
         </p:txBody>
       </p:sp>
@@ -4327,7 +4320,7 @@
           <a:p>
             <a:pPr algn="ctr"/>
             <a:r>
-              <a:rPr lang="en-US" sz="2000" b="0" dirty="0" smtClean="0">
+              <a:rPr lang="en-US" sz="2000" b="0" dirty="0">
                 <a:solidFill>
                   <a:schemeClr val="tx1"/>
                 </a:solidFill>
@@ -4335,12 +4328,6 @@
               </a:rPr>
               <a:t>Command</a:t>
             </a:r>
-            <a:endParaRPr lang="en-US" sz="2000" b="0" dirty="0">
-              <a:solidFill>
-                <a:schemeClr val="tx1"/>
-              </a:solidFill>
-              <a:latin typeface="Calibri" pitchFamily="34" charset="0"/>
-            </a:endParaRPr>
           </a:p>
         </p:txBody>
       </p:sp>
@@ -4387,7 +4374,7 @@
           <a:p>
             <a:pPr algn="ctr"/>
             <a:r>
-              <a:rPr lang="en-US" sz="2000" b="0" dirty="0" err="1" smtClean="0">
+              <a:rPr lang="en-US" sz="2000" b="0" dirty="0" err="1">
                 <a:solidFill>
                   <a:schemeClr val="tx1"/>
                 </a:solidFill>
@@ -4423,7 +4410,7 @@
               <a:gd name="adj1" fmla="val 115335"/>
             </a:avLst>
           </a:prstGeom>
-          <a:ln>
+          <a:ln w="12700">
             <a:prstDash val="dash"/>
             <a:tailEnd type="arrow"/>
           </a:ln>
@@ -4462,7 +4449,7 @@
               <a:gd name="adj1" fmla="val 115335"/>
             </a:avLst>
           </a:prstGeom>
-          <a:ln>
+          <a:ln w="12700">
             <a:prstDash val="dash"/>
             <a:tailEnd type="arrow"/>
           </a:ln>
@@ -4501,7 +4488,7 @@
               <a:gd name="adj1" fmla="val 115335"/>
             </a:avLst>
           </a:prstGeom>
-          <a:ln>
+          <a:ln w="12700">
             <a:prstDash val="dash"/>
             <a:tailEnd type="arrow"/>
           </a:ln>
@@ -4531,8 +4518,8 @@
         </p:nvSpPr>
         <p:spPr bwMode="auto">
           <a:xfrm>
-            <a:off x="1339087" y="2743200"/>
-            <a:ext cx="2798523" cy="369332"/>
+            <a:off x="1396795" y="2743200"/>
+            <a:ext cx="2683106" cy="369332"/>
           </a:xfrm>
           <a:prstGeom prst="rect">
             <a:avLst/>
@@ -4553,7 +4540,7 @@
           <a:p>
             <a:pPr algn="ctr"/>
             <a:r>
-              <a:rPr lang="en-US" sz="1800" b="0" dirty="0" smtClean="0">
+              <a:rPr lang="en-US" sz="1800" b="0" dirty="0">
                 <a:solidFill>
                   <a:schemeClr val="tx1"/>
                 </a:solidFill>
@@ -4562,19 +4549,10 @@
               <a:t>adds </a:t>
             </a:r>
             <a:r>
-              <a:rPr lang="en-US" sz="1800" dirty="0" smtClean="0">
+              <a:rPr lang="en-US" sz="1800" dirty="0">
                 <a:latin typeface="Calibri" pitchFamily="34" charset="0"/>
               </a:rPr>
               <a:t>Command objects to</a:t>
-            </a:r>
-            <a:r>
-              <a:rPr lang="en-US" sz="1800" b="0" dirty="0" smtClean="0">
-                <a:solidFill>
-                  <a:schemeClr val="tx1"/>
-                </a:solidFill>
-                <a:latin typeface="Calibri" pitchFamily="34" charset="0"/>
-              </a:rPr>
-              <a:t> &gt;</a:t>
             </a:r>
             <a:endParaRPr lang="en-US" sz="1800" b="0" dirty="0">
               <a:solidFill>
@@ -4595,7 +4573,7 @@
         </p:nvSpPr>
         <p:spPr bwMode="auto">
           <a:xfrm>
-            <a:off x="3005050" y="3657600"/>
+            <a:off x="2992997" y="3657600"/>
             <a:ext cx="1957587" cy="400110"/>
           </a:xfrm>
           <a:prstGeom prst="rect">
@@ -4627,7 +4605,7 @@
           <a:lstStyle/>
           <a:p>
             <a:r>
-              <a:rPr lang="en-US" sz="2000" b="0" dirty="0" smtClean="0">
+              <a:rPr lang="en-US" sz="2000" b="0" dirty="0">
                 <a:solidFill>
                   <a:schemeClr val="tx1"/>
                 </a:solidFill>
@@ -4635,12 +4613,52 @@
               </a:rPr>
               <a:t>add(Command)</a:t>
             </a:r>
-            <a:endParaRPr lang="en-US" sz="2000" b="0" dirty="0">
-              <a:solidFill>
-                <a:schemeClr val="tx1"/>
-              </a:solidFill>
-              <a:latin typeface="Calibri" pitchFamily="34" charset="0"/>
-            </a:endParaRPr>
+          </a:p>
+        </p:txBody>
+      </p:sp>
+      <p:sp>
+        <p:nvSpPr>
+          <p:cNvPr id="2" name="Triangle 1">
+            <a:extLst>
+              <a:ext uri="{FF2B5EF4-FFF2-40B4-BE49-F238E27FC236}">
+                <a16:creationId xmlns:a16="http://schemas.microsoft.com/office/drawing/2014/main" id="{E54DFCF7-8F3D-6F70-B1F0-83F713290C57}"/>
+              </a:ext>
+            </a:extLst>
+          </p:cNvPr>
+          <p:cNvSpPr/>
+          <p:nvPr/>
+        </p:nvSpPr>
+        <p:spPr>
+          <a:xfrm rot="5400000">
+            <a:off x="3995936" y="2852936"/>
+            <a:ext cx="144017" cy="144017"/>
+          </a:xfrm>
+          <a:prstGeom prst="triangle">
+            <a:avLst/>
+          </a:prstGeom>
+        </p:spPr>
+        <p:style>
+          <a:lnRef idx="2">
+            <a:schemeClr val="dk1">
+              <a:shade val="15000"/>
+            </a:schemeClr>
+          </a:lnRef>
+          <a:fillRef idx="1">
+            <a:schemeClr val="dk1"/>
+          </a:fillRef>
+          <a:effectRef idx="0">
+            <a:schemeClr val="dk1"/>
+          </a:effectRef>
+          <a:fontRef idx="minor">
+            <a:schemeClr val="lt1"/>
+          </a:fontRef>
+        </p:style>
+        <p:txBody>
+          <a:bodyPr rtlCol="0" anchor="ctr"/>
+          <a:lstStyle/>
+          <a:p>
+            <a:pPr algn="ctr"/>
+            <a:endParaRPr lang="en-US"/>
           </a:p>
         </p:txBody>
       </p:sp>
@@ -4654,13 +4672,6 @@
   <p:clrMapOvr>
     <a:masterClrMapping/>
   </p:clrMapOvr>
-  <p:timing>
-    <p:tnLst>
-      <p:par>
-        <p:cTn id="1" dur="indefinite" restart="never" nodeType="tmRoot"/>
-      </p:par>
-    </p:tnLst>
-  </p:timing>
 </p:sld>
 </file>
 
